--- a/Hotel Booking Demand.pptx
+++ b/Hotel Booking Demand.pptx
@@ -14,28 +14,30 @@
     <p:sldId id="259" r:id="rId9"/>
     <p:sldId id="260" r:id="rId10"/>
     <p:sldId id="261" r:id="rId11"/>
+    <p:sldId id="262" r:id="rId12"/>
+    <p:sldId id="263" r:id="rId13"/>
   </p:sldIdLst>
   <p:sldSz cy="5143500" cx="9144000"/>
   <p:notesSz cx="6858000" cy="9144000"/>
   <p:embeddedFontLst>
     <p:embeddedFont>
       <p:font typeface="Playfair Display"/>
-      <p:regular r:id="rId12"/>
-      <p:bold r:id="rId13"/>
-      <p:italic r:id="rId14"/>
-      <p:boldItalic r:id="rId15"/>
+      <p:regular r:id="rId14"/>
+      <p:bold r:id="rId15"/>
+      <p:italic r:id="rId16"/>
+      <p:boldItalic r:id="rId17"/>
     </p:embeddedFont>
     <p:embeddedFont>
       <p:font typeface="Montserrat"/>
-      <p:regular r:id="rId16"/>
-      <p:bold r:id="rId17"/>
-      <p:italic r:id="rId18"/>
-      <p:boldItalic r:id="rId19"/>
+      <p:regular r:id="rId18"/>
+      <p:bold r:id="rId19"/>
+      <p:italic r:id="rId20"/>
+      <p:boldItalic r:id="rId21"/>
     </p:embeddedFont>
     <p:embeddedFont>
       <p:font typeface="Oswald"/>
-      <p:regular r:id="rId20"/>
-      <p:bold r:id="rId21"/>
+      <p:regular r:id="rId22"/>
+      <p:bold r:id="rId23"/>
     </p:embeddedFont>
   </p:embeddedFontLst>
   <p:defaultTextStyle>
@@ -929,7 +931,7 @@
       </p:grpSpPr>
       <p:sp>
         <p:nvSpPr>
-          <p:cNvPr id="68" name="Google Shape;68;g13bf15bae4e_0_58:notes"/>
+          <p:cNvPr id="68" name="Google Shape;68;g13ce9780bc4_0_5:notes"/>
           <p:cNvSpPr/>
           <p:nvPr>
             <p:ph idx="2" type="sldImg"/>
@@ -964,7 +966,7 @@
       </p:sp>
       <p:sp>
         <p:nvSpPr>
-          <p:cNvPr id="69" name="Google Shape;69;g13bf15bae4e_0_58:notes"/>
+          <p:cNvPr id="69" name="Google Shape;69;g13ce9780bc4_0_5:notes"/>
           <p:cNvSpPr txBox="1"/>
           <p:nvPr>
             <p:ph idx="1" type="body"/>
@@ -1028,7 +1030,7 @@
       </p:grpSpPr>
       <p:sp>
         <p:nvSpPr>
-          <p:cNvPr id="75" name="Google Shape;75;g13bf15bae4e_0_195:notes"/>
+          <p:cNvPr id="75" name="Google Shape;75;g13bf15bae4e_0_58:notes"/>
           <p:cNvSpPr/>
           <p:nvPr>
             <p:ph idx="2" type="sldImg"/>
@@ -1063,7 +1065,7 @@
       </p:sp>
       <p:sp>
         <p:nvSpPr>
-          <p:cNvPr id="76" name="Google Shape;76;g13bf15bae4e_0_195:notes"/>
+          <p:cNvPr id="76" name="Google Shape;76;g13bf15bae4e_0_58:notes"/>
           <p:cNvSpPr txBox="1"/>
           <p:nvPr>
             <p:ph idx="1" type="body"/>
@@ -1127,7 +1129,7 @@
       </p:grpSpPr>
       <p:sp>
         <p:nvSpPr>
-          <p:cNvPr id="82" name="Google Shape;82;g13bf15bae4e_0_205:notes"/>
+          <p:cNvPr id="82" name="Google Shape;82;g13bf15bae4e_0_195:notes"/>
           <p:cNvSpPr/>
           <p:nvPr>
             <p:ph idx="2" type="sldImg"/>
@@ -1162,7 +1164,7 @@
       </p:sp>
       <p:sp>
         <p:nvSpPr>
-          <p:cNvPr id="83" name="Google Shape;83;g13bf15bae4e_0_205:notes"/>
+          <p:cNvPr id="83" name="Google Shape;83;g13bf15bae4e_0_195:notes"/>
           <p:cNvSpPr txBox="1"/>
           <p:nvPr>
             <p:ph idx="1" type="body"/>
@@ -1212,7 +1214,7 @@
   <p:cSld>
     <p:spTree>
       <p:nvGrpSpPr>
-        <p:cNvPr id="89" name="Shape 89"/>
+        <p:cNvPr id="88" name="Shape 88"/>
         <p:cNvGrpSpPr/>
         <p:nvPr/>
       </p:nvGrpSpPr>
@@ -1226,7 +1228,7 @@
       </p:grpSpPr>
       <p:sp>
         <p:nvSpPr>
-          <p:cNvPr id="90" name="Google Shape;90;g13bf15bae4e_0_216:notes"/>
+          <p:cNvPr id="89" name="Google Shape;89;g13bf15bae4e_0_205:notes"/>
           <p:cNvSpPr/>
           <p:nvPr>
             <p:ph idx="2" type="sldImg"/>
@@ -1261,7 +1263,205 @@
       </p:sp>
       <p:sp>
         <p:nvSpPr>
-          <p:cNvPr id="91" name="Google Shape;91;g13bf15bae4e_0_216:notes"/>
+          <p:cNvPr id="90" name="Google Shape;90;g13bf15bae4e_0_205:notes"/>
+          <p:cNvSpPr txBox="1"/>
+          <p:nvPr>
+            <p:ph idx="1" type="body"/>
+          </p:nvPr>
+        </p:nvSpPr>
+        <p:spPr>
+          <a:xfrm>
+            <a:off x="685800" y="4343400"/>
+            <a:ext cx="5486400" cy="4114800"/>
+          </a:xfrm>
+          <a:prstGeom prst="rect">
+            <a:avLst/>
+          </a:prstGeom>
+        </p:spPr>
+        <p:txBody>
+          <a:bodyPr anchorCtr="0" anchor="t" bIns="91425" lIns="91425" spcFirstLastPara="1" rIns="91425" wrap="square" tIns="91425">
+            <a:noAutofit/>
+          </a:bodyPr>
+          <a:lstStyle/>
+          <a:p>
+            <a:pPr indent="0" lvl="0" marL="0" rtl="0" algn="l">
+              <a:spcBef>
+                <a:spcPts val="0"/>
+              </a:spcBef>
+              <a:spcAft>
+                <a:spcPts val="0"/>
+              </a:spcAft>
+              <a:buNone/>
+            </a:pPr>
+            <a:r>
+              <a:t/>
+            </a:r>
+            <a:endParaRPr/>
+          </a:p>
+        </p:txBody>
+      </p:sp>
+    </p:spTree>
+  </p:cSld>
+  <p:clrMapOvr>
+    <a:masterClrMapping/>
+  </p:clrMapOvr>
+</p:notes>
+</file>
+
+<file path=ppt/notesSlides/notesSlide7.xml><?xml version="1.0" encoding="utf-8"?>
+<p:notes xmlns:a="http://schemas.openxmlformats.org/drawingml/2006/main" xmlns:r="http://schemas.openxmlformats.org/officeDocument/2006/relationships" xmlns:mc="http://schemas.openxmlformats.org/markup-compatibility/2006" xmlns:mv="urn:schemas-microsoft-com:mac:vml" xmlns:p="http://schemas.openxmlformats.org/presentationml/2006/main" xmlns:c="http://schemas.openxmlformats.org/drawingml/2006/chart" xmlns:dgm="http://schemas.openxmlformats.org/drawingml/2006/diagram" xmlns:o="urn:schemas-microsoft-com:office:office" xmlns:v="urn:schemas-microsoft-com:vml" xmlns:pvml="urn:schemas-microsoft-com:office:powerpoint" xmlns:com="http://schemas.openxmlformats.org/drawingml/2006/compatibility" xmlns:p14="http://schemas.microsoft.com/office/powerpoint/2010/main" xmlns:p15="http://schemas.microsoft.com/office/powerpoint/2012/main" xmlns:ahyp="http://schemas.microsoft.com/office/drawing/2018/hyperlinkcolor" showMasterPhAnim="0" showMasterSp="0">
+  <p:cSld>
+    <p:spTree>
+      <p:nvGrpSpPr>
+        <p:cNvPr id="96" name="Shape 96"/>
+        <p:cNvGrpSpPr/>
+        <p:nvPr/>
+      </p:nvGrpSpPr>
+      <p:grpSpPr>
+        <a:xfrm>
+          <a:off x="0" y="0"/>
+          <a:ext cx="0" cy="0"/>
+          <a:chOff x="0" y="0"/>
+          <a:chExt cx="0" cy="0"/>
+        </a:xfrm>
+      </p:grpSpPr>
+      <p:sp>
+        <p:nvSpPr>
+          <p:cNvPr id="97" name="Google Shape;97;g13bf15bae4e_0_216:notes"/>
+          <p:cNvSpPr/>
+          <p:nvPr>
+            <p:ph idx="2" type="sldImg"/>
+          </p:nvPr>
+        </p:nvSpPr>
+        <p:spPr>
+          <a:xfrm>
+            <a:off x="381300" y="685800"/>
+            <a:ext cx="6096000" cy="3429000"/>
+          </a:xfrm>
+          <a:custGeom>
+            <a:rect b="b" l="l" r="r" t="t"/>
+            <a:pathLst>
+              <a:path extrusionOk="0" h="120000" w="120000">
+                <a:moveTo>
+                  <a:pt x="0" y="0"/>
+                </a:moveTo>
+                <a:lnTo>
+                  <a:pt x="120000" y="0"/>
+                </a:lnTo>
+                <a:lnTo>
+                  <a:pt x="120000" y="120000"/>
+                </a:lnTo>
+                <a:lnTo>
+                  <a:pt x="0" y="120000"/>
+                </a:lnTo>
+                <a:close/>
+              </a:path>
+            </a:pathLst>
+          </a:custGeom>
+        </p:spPr>
+      </p:sp>
+      <p:sp>
+        <p:nvSpPr>
+          <p:cNvPr id="98" name="Google Shape;98;g13bf15bae4e_0_216:notes"/>
+          <p:cNvSpPr txBox="1"/>
+          <p:nvPr>
+            <p:ph idx="1" type="body"/>
+          </p:nvPr>
+        </p:nvSpPr>
+        <p:spPr>
+          <a:xfrm>
+            <a:off x="685800" y="4343400"/>
+            <a:ext cx="5486400" cy="4114800"/>
+          </a:xfrm>
+          <a:prstGeom prst="rect">
+            <a:avLst/>
+          </a:prstGeom>
+        </p:spPr>
+        <p:txBody>
+          <a:bodyPr anchorCtr="0" anchor="t" bIns="91425" lIns="91425" spcFirstLastPara="1" rIns="91425" wrap="square" tIns="91425">
+            <a:noAutofit/>
+          </a:bodyPr>
+          <a:lstStyle/>
+          <a:p>
+            <a:pPr indent="0" lvl="0" marL="0" rtl="0" algn="l">
+              <a:spcBef>
+                <a:spcPts val="0"/>
+              </a:spcBef>
+              <a:spcAft>
+                <a:spcPts val="0"/>
+              </a:spcAft>
+              <a:buNone/>
+            </a:pPr>
+            <a:r>
+              <a:t/>
+            </a:r>
+            <a:endParaRPr/>
+          </a:p>
+        </p:txBody>
+      </p:sp>
+    </p:spTree>
+  </p:cSld>
+  <p:clrMapOvr>
+    <a:masterClrMapping/>
+  </p:clrMapOvr>
+</p:notes>
+</file>
+
+<file path=ppt/notesSlides/notesSlide8.xml><?xml version="1.0" encoding="utf-8"?>
+<p:notes xmlns:a="http://schemas.openxmlformats.org/drawingml/2006/main" xmlns:r="http://schemas.openxmlformats.org/officeDocument/2006/relationships" xmlns:mc="http://schemas.openxmlformats.org/markup-compatibility/2006" xmlns:mv="urn:schemas-microsoft-com:mac:vml" xmlns:p="http://schemas.openxmlformats.org/presentationml/2006/main" xmlns:c="http://schemas.openxmlformats.org/drawingml/2006/chart" xmlns:dgm="http://schemas.openxmlformats.org/drawingml/2006/diagram" xmlns:o="urn:schemas-microsoft-com:office:office" xmlns:v="urn:schemas-microsoft-com:vml" xmlns:pvml="urn:schemas-microsoft-com:office:powerpoint" xmlns:com="http://schemas.openxmlformats.org/drawingml/2006/compatibility" xmlns:p14="http://schemas.microsoft.com/office/powerpoint/2010/main" xmlns:p15="http://schemas.microsoft.com/office/powerpoint/2012/main" xmlns:ahyp="http://schemas.microsoft.com/office/drawing/2018/hyperlinkcolor" showMasterPhAnim="0" showMasterSp="0">
+  <p:cSld>
+    <p:spTree>
+      <p:nvGrpSpPr>
+        <p:cNvPr id="105" name="Shape 105"/>
+        <p:cNvGrpSpPr/>
+        <p:nvPr/>
+      </p:nvGrpSpPr>
+      <p:grpSpPr>
+        <a:xfrm>
+          <a:off x="0" y="0"/>
+          <a:ext cx="0" cy="0"/>
+          <a:chOff x="0" y="0"/>
+          <a:chExt cx="0" cy="0"/>
+        </a:xfrm>
+      </p:grpSpPr>
+      <p:sp>
+        <p:nvSpPr>
+          <p:cNvPr id="106" name="Google Shape;106;g13ce9780bc4_0_0:notes"/>
+          <p:cNvSpPr/>
+          <p:nvPr>
+            <p:ph idx="2" type="sldImg"/>
+          </p:nvPr>
+        </p:nvSpPr>
+        <p:spPr>
+          <a:xfrm>
+            <a:off x="381300" y="685800"/>
+            <a:ext cx="6096000" cy="3429000"/>
+          </a:xfrm>
+          <a:custGeom>
+            <a:rect b="b" l="l" r="r" t="t"/>
+            <a:pathLst>
+              <a:path extrusionOk="0" h="120000" w="120000">
+                <a:moveTo>
+                  <a:pt x="0" y="0"/>
+                </a:moveTo>
+                <a:lnTo>
+                  <a:pt x="120000" y="0"/>
+                </a:lnTo>
+                <a:lnTo>
+                  <a:pt x="120000" y="120000"/>
+                </a:lnTo>
+                <a:lnTo>
+                  <a:pt x="0" y="120000"/>
+                </a:lnTo>
+                <a:close/>
+              </a:path>
+            </a:pathLst>
+          </a:custGeom>
+        </p:spPr>
+      </p:sp>
+      <p:sp>
+        <p:nvSpPr>
+          <p:cNvPr id="107" name="Google Shape;107;g13ce9780bc4_0_0:notes"/>
           <p:cNvSpPr txBox="1"/>
           <p:nvPr>
             <p:ph idx="1" type="body"/>
@@ -7096,7 +7296,7 @@
         </p:nvSpPr>
         <p:spPr>
           <a:xfrm>
-            <a:off x="311700" y="445025"/>
+            <a:off x="51525" y="98150"/>
             <a:ext cx="8520600" cy="572700"/>
           </a:xfrm>
           <a:prstGeom prst="rect">
@@ -7120,7 +7320,7 @@
             </a:pPr>
             <a:r>
               <a:rPr lang="en"/>
-              <a:t>Customer Type</a:t>
+              <a:t>Who is Creating the Reservations?</a:t>
             </a:r>
             <a:endParaRPr/>
           </a:p>
@@ -7142,39 +7342,8 @@
         </p:blipFill>
         <p:spPr>
           <a:xfrm>
-            <a:off x="102456" y="1017725"/>
-            <a:ext cx="6248494" cy="4125775"/>
-          </a:xfrm>
-          <a:prstGeom prst="rect">
-            <a:avLst/>
-          </a:prstGeom>
-          <a:noFill/>
-          <a:ln>
-            <a:noFill/>
-          </a:ln>
-          <a:effectLst>
-            <a:reflection blurRad="0" dir="5400000" dist="152400" endA="0" endPos="45000" fadeDir="5400012" kx="0" rotWithShape="0" algn="bl" stA="79000" stPos="0" sy="-100000" ky="0"/>
-          </a:effectLst>
-        </p:spPr>
-      </p:pic>
-      <p:pic>
-        <p:nvPicPr>
-          <p:cNvPr id="73" name="Google Shape;73;p15"/>
-          <p:cNvPicPr preferRelativeResize="0"/>
-          <p:nvPr/>
-        </p:nvPicPr>
-        <p:blipFill>
-          <a:blip r:embed="rId4">
-            <a:alphaModFix/>
-          </a:blip>
-          <a:stretch>
-            <a:fillRect/>
-          </a:stretch>
-        </p:blipFill>
-        <p:spPr>
-          <a:xfrm>
-            <a:off x="4347925" y="0"/>
-            <a:ext cx="4796074" cy="2209650"/>
+            <a:off x="152400" y="1170125"/>
+            <a:ext cx="5797525" cy="2765875"/>
           </a:xfrm>
           <a:prstGeom prst="rect">
             <a:avLst/>
@@ -7185,6 +7354,58 @@
           </a:ln>
         </p:spPr>
       </p:pic>
+      <p:sp>
+        <p:nvSpPr>
+          <p:cNvPr id="73" name="Google Shape;73;p15"/>
+          <p:cNvSpPr txBox="1"/>
+          <p:nvPr/>
+        </p:nvSpPr>
+        <p:spPr>
+          <a:xfrm>
+            <a:off x="6391025" y="1641125"/>
+            <a:ext cx="2601900" cy="1046700"/>
+          </a:xfrm>
+          <a:prstGeom prst="rect">
+            <a:avLst/>
+          </a:prstGeom>
+          <a:noFill/>
+          <a:ln>
+            <a:noFill/>
+          </a:ln>
+        </p:spPr>
+        <p:txBody>
+          <a:bodyPr anchorCtr="0" anchor="t" bIns="91425" lIns="91425" spcFirstLastPara="1" rIns="91425" wrap="square" tIns="91425">
+            <a:spAutoFit/>
+          </a:bodyPr>
+          <a:lstStyle/>
+          <a:p>
+            <a:pPr indent="0" lvl="0" marL="0" rtl="0" algn="l">
+              <a:spcBef>
+                <a:spcPts val="0"/>
+              </a:spcBef>
+              <a:spcAft>
+                <a:spcPts val="0"/>
+              </a:spcAft>
+              <a:buNone/>
+            </a:pPr>
+            <a:r>
+              <a:rPr lang="en">
+                <a:latin typeface="Playfair Display"/>
+                <a:ea typeface="Playfair Display"/>
+                <a:cs typeface="Playfair Display"/>
+                <a:sym typeface="Playfair Display"/>
+              </a:rPr>
+              <a:t>We can see from the chart that Travel Agents are controlling the majority of the reservations made. </a:t>
+            </a:r>
+            <a:endParaRPr>
+              <a:latin typeface="Playfair Display"/>
+              <a:ea typeface="Playfair Display"/>
+              <a:cs typeface="Playfair Display"/>
+              <a:sym typeface="Playfair Display"/>
+            </a:endParaRPr>
+          </a:p>
+        </p:txBody>
+      </p:sp>
     </p:spTree>
   </p:cSld>
   <p:clrMapOvr>
@@ -7220,7 +7441,7 @@
         </p:nvSpPr>
         <p:spPr>
           <a:xfrm>
-            <a:off x="0" y="0"/>
+            <a:off x="311700" y="445025"/>
             <a:ext cx="8520600" cy="572700"/>
           </a:xfrm>
           <a:prstGeom prst="rect">
@@ -7244,7 +7465,7 @@
             </a:pPr>
             <a:r>
               <a:rPr lang="en"/>
-              <a:t>Peak Month for Resorts v.s. City Hotels</a:t>
+              <a:t>Customer Type</a:t>
             </a:r>
             <a:endParaRPr/>
           </a:p>
@@ -7266,8 +7487,39 @@
         </p:blipFill>
         <p:spPr>
           <a:xfrm>
-            <a:off x="152400" y="624325"/>
-            <a:ext cx="8839200" cy="3281881"/>
+            <a:off x="102456" y="1017725"/>
+            <a:ext cx="6248494" cy="4125775"/>
+          </a:xfrm>
+          <a:prstGeom prst="rect">
+            <a:avLst/>
+          </a:prstGeom>
+          <a:noFill/>
+          <a:ln>
+            <a:noFill/>
+          </a:ln>
+          <a:effectLst>
+            <a:reflection blurRad="0" dir="5400000" dist="152400" endA="0" endPos="45000" fadeDir="5400012" kx="0" rotWithShape="0" algn="bl" stA="79000" stPos="0" sy="-100000" ky="0"/>
+          </a:effectLst>
+        </p:spPr>
+      </p:pic>
+      <p:pic>
+        <p:nvPicPr>
+          <p:cNvPr id="80" name="Google Shape;80;p16"/>
+          <p:cNvPicPr preferRelativeResize="0"/>
+          <p:nvPr/>
+        </p:nvPicPr>
+        <p:blipFill>
+          <a:blip r:embed="rId4">
+            <a:alphaModFix/>
+          </a:blip>
+          <a:stretch>
+            <a:fillRect/>
+          </a:stretch>
+        </p:blipFill>
+        <p:spPr>
+          <a:xfrm>
+            <a:off x="4347925" y="0"/>
+            <a:ext cx="4796074" cy="2209650"/>
           </a:xfrm>
           <a:prstGeom prst="rect">
             <a:avLst/>
@@ -7278,58 +7530,6 @@
           </a:ln>
         </p:spPr>
       </p:pic>
-      <p:sp>
-        <p:nvSpPr>
-          <p:cNvPr id="80" name="Google Shape;80;p16"/>
-          <p:cNvSpPr txBox="1"/>
-          <p:nvPr/>
-        </p:nvSpPr>
-        <p:spPr>
-          <a:xfrm>
-            <a:off x="101775" y="3881400"/>
-            <a:ext cx="8788500" cy="1262100"/>
-          </a:xfrm>
-          <a:prstGeom prst="rect">
-            <a:avLst/>
-          </a:prstGeom>
-          <a:noFill/>
-          <a:ln>
-            <a:noFill/>
-          </a:ln>
-        </p:spPr>
-        <p:txBody>
-          <a:bodyPr anchorCtr="0" anchor="t" bIns="91425" lIns="91425" spcFirstLastPara="1" rIns="91425" wrap="square" tIns="91425">
-            <a:spAutoFit/>
-          </a:bodyPr>
-          <a:lstStyle/>
-          <a:p>
-            <a:pPr indent="0" lvl="0" marL="0" rtl="0" algn="l">
-              <a:spcBef>
-                <a:spcPts val="0"/>
-              </a:spcBef>
-              <a:spcAft>
-                <a:spcPts val="0"/>
-              </a:spcAft>
-              <a:buNone/>
-            </a:pPr>
-            <a:r>
-              <a:rPr lang="en">
-                <a:latin typeface="Playfair Display"/>
-                <a:ea typeface="Playfair Display"/>
-                <a:cs typeface="Playfair Display"/>
-                <a:sym typeface="Playfair Display"/>
-              </a:rPr>
-              <a:t>August is the peak for Resorts charging the most. By my own assumptions this can be a result to the end of summer break and families wanting to get those last minute travel plans. You can also see that there's an incline mid to late November going into December. This is for those looking to travel during the holidays and if they are traveling throughout Europe they'll get a chance to explore some beautiful Christmas Markets.</a:t>
-            </a:r>
-            <a:endParaRPr>
-              <a:latin typeface="Playfair Display"/>
-              <a:ea typeface="Playfair Display"/>
-              <a:cs typeface="Playfair Display"/>
-              <a:sym typeface="Playfair Display"/>
-            </a:endParaRPr>
-          </a:p>
-        </p:txBody>
-      </p:sp>
     </p:spTree>
   </p:cSld>
   <p:clrMapOvr>
@@ -7366,6 +7566,151 @@
         <p:spPr>
           <a:xfrm>
             <a:off x="0" y="0"/>
+            <a:ext cx="8520600" cy="572700"/>
+          </a:xfrm>
+          <a:prstGeom prst="rect">
+            <a:avLst/>
+          </a:prstGeom>
+        </p:spPr>
+        <p:txBody>
+          <a:bodyPr anchorCtr="0" anchor="t" bIns="91425" lIns="91425" spcFirstLastPara="1" rIns="91425" wrap="square" tIns="91425">
+            <a:normAutofit fontScale="90000"/>
+          </a:bodyPr>
+          <a:lstStyle/>
+          <a:p>
+            <a:pPr indent="0" lvl="0" marL="0" rtl="0" algn="l">
+              <a:spcBef>
+                <a:spcPts val="0"/>
+              </a:spcBef>
+              <a:spcAft>
+                <a:spcPts val="0"/>
+              </a:spcAft>
+              <a:buNone/>
+            </a:pPr>
+            <a:r>
+              <a:rPr lang="en"/>
+              <a:t>Peak Month for Resorts v.s. City Hotels</a:t>
+            </a:r>
+            <a:endParaRPr/>
+          </a:p>
+        </p:txBody>
+      </p:sp>
+      <p:pic>
+        <p:nvPicPr>
+          <p:cNvPr id="86" name="Google Shape;86;p17"/>
+          <p:cNvPicPr preferRelativeResize="0"/>
+          <p:nvPr/>
+        </p:nvPicPr>
+        <p:blipFill>
+          <a:blip r:embed="rId3">
+            <a:alphaModFix/>
+          </a:blip>
+          <a:stretch>
+            <a:fillRect/>
+          </a:stretch>
+        </p:blipFill>
+        <p:spPr>
+          <a:xfrm>
+            <a:off x="152400" y="624325"/>
+            <a:ext cx="8839200" cy="3281881"/>
+          </a:xfrm>
+          <a:prstGeom prst="rect">
+            <a:avLst/>
+          </a:prstGeom>
+          <a:noFill/>
+          <a:ln>
+            <a:noFill/>
+          </a:ln>
+        </p:spPr>
+      </p:pic>
+      <p:sp>
+        <p:nvSpPr>
+          <p:cNvPr id="87" name="Google Shape;87;p17"/>
+          <p:cNvSpPr txBox="1"/>
+          <p:nvPr/>
+        </p:nvSpPr>
+        <p:spPr>
+          <a:xfrm>
+            <a:off x="101775" y="3881400"/>
+            <a:ext cx="8788500" cy="1262100"/>
+          </a:xfrm>
+          <a:prstGeom prst="rect">
+            <a:avLst/>
+          </a:prstGeom>
+          <a:noFill/>
+          <a:ln>
+            <a:noFill/>
+          </a:ln>
+        </p:spPr>
+        <p:txBody>
+          <a:bodyPr anchorCtr="0" anchor="t" bIns="91425" lIns="91425" spcFirstLastPara="1" rIns="91425" wrap="square" tIns="91425">
+            <a:spAutoFit/>
+          </a:bodyPr>
+          <a:lstStyle/>
+          <a:p>
+            <a:pPr indent="0" lvl="0" marL="0" rtl="0" algn="l">
+              <a:spcBef>
+                <a:spcPts val="0"/>
+              </a:spcBef>
+              <a:spcAft>
+                <a:spcPts val="0"/>
+              </a:spcAft>
+              <a:buNone/>
+            </a:pPr>
+            <a:r>
+              <a:rPr lang="en">
+                <a:latin typeface="Playfair Display"/>
+                <a:ea typeface="Playfair Display"/>
+                <a:cs typeface="Playfair Display"/>
+                <a:sym typeface="Playfair Display"/>
+              </a:rPr>
+              <a:t>August is the peak for Resorts charging the most. By my own assumptions this can be a result to the end of summer break and families wanting to get those last minute travel plans. You can also see that there's an incline mid to late November going into December. This is for those looking to travel during the holidays and if they are traveling throughout Europe they'll get a chance to explore some beautiful Christmas Markets.</a:t>
+            </a:r>
+            <a:endParaRPr>
+              <a:latin typeface="Playfair Display"/>
+              <a:ea typeface="Playfair Display"/>
+              <a:cs typeface="Playfair Display"/>
+              <a:sym typeface="Playfair Display"/>
+            </a:endParaRPr>
+          </a:p>
+        </p:txBody>
+      </p:sp>
+    </p:spTree>
+  </p:cSld>
+  <p:clrMapOvr>
+    <a:masterClrMapping/>
+  </p:clrMapOvr>
+</p:sld>
+</file>
+
+<file path=ppt/slides/slide6.xml><?xml version="1.0" encoding="utf-8"?>
+<p:sld xmlns:a="http://schemas.openxmlformats.org/drawingml/2006/main" xmlns:r="http://schemas.openxmlformats.org/officeDocument/2006/relationships" xmlns:mc="http://schemas.openxmlformats.org/markup-compatibility/2006" xmlns:mv="urn:schemas-microsoft-com:mac:vml" xmlns:p="http://schemas.openxmlformats.org/presentationml/2006/main" xmlns:c="http://schemas.openxmlformats.org/drawingml/2006/chart" xmlns:dgm="http://schemas.openxmlformats.org/drawingml/2006/diagram" xmlns:o="urn:schemas-microsoft-com:office:office" xmlns:v="urn:schemas-microsoft-com:vml" xmlns:pvml="urn:schemas-microsoft-com:office:powerpoint" xmlns:com="http://schemas.openxmlformats.org/drawingml/2006/compatibility" xmlns:p14="http://schemas.microsoft.com/office/powerpoint/2010/main" xmlns:p15="http://schemas.microsoft.com/office/powerpoint/2012/main" xmlns:ahyp="http://schemas.microsoft.com/office/drawing/2018/hyperlinkcolor">
+  <p:cSld>
+    <p:spTree>
+      <p:nvGrpSpPr>
+        <p:cNvPr id="91" name="Shape 91"/>
+        <p:cNvGrpSpPr/>
+        <p:nvPr/>
+      </p:nvGrpSpPr>
+      <p:grpSpPr>
+        <a:xfrm>
+          <a:off x="0" y="0"/>
+          <a:ext cx="0" cy="0"/>
+          <a:chOff x="0" y="0"/>
+          <a:chExt cx="0" cy="0"/>
+        </a:xfrm>
+      </p:grpSpPr>
+      <p:sp>
+        <p:nvSpPr>
+          <p:cNvPr id="92" name="Google Shape;92;p18"/>
+          <p:cNvSpPr txBox="1"/>
+          <p:nvPr>
+            <p:ph type="title"/>
+          </p:nvPr>
+        </p:nvSpPr>
+        <p:spPr>
+          <a:xfrm>
+            <a:off x="0" y="0"/>
             <a:ext cx="2442300" cy="980700"/>
           </a:xfrm>
           <a:prstGeom prst="rect">
@@ -7397,7 +7742,7 @@
       </p:sp>
       <p:pic>
         <p:nvPicPr>
-          <p:cNvPr id="86" name="Google Shape;86;p17"/>
+          <p:cNvPr id="93" name="Google Shape;93;p18"/>
           <p:cNvPicPr preferRelativeResize="0"/>
           <p:nvPr/>
         </p:nvPicPr>
@@ -7425,7 +7770,7 @@
       </p:pic>
       <p:pic>
         <p:nvPicPr>
-          <p:cNvPr id="87" name="Google Shape;87;p17"/>
+          <p:cNvPr id="94" name="Google Shape;94;p18"/>
           <p:cNvPicPr preferRelativeResize="0"/>
           <p:nvPr/>
         </p:nvPicPr>
@@ -7453,7 +7798,7 @@
       </p:pic>
       <p:sp>
         <p:nvSpPr>
-          <p:cNvPr id="88" name="Google Shape;88;p17"/>
+          <p:cNvPr id="95" name="Google Shape;95;p18"/>
           <p:cNvSpPr txBox="1"/>
           <p:nvPr/>
         </p:nvSpPr>
@@ -7547,12 +7892,12 @@
 </p:sld>
 </file>
 
-<file path=ppt/slides/slide6.xml><?xml version="1.0" encoding="utf-8"?>
+<file path=ppt/slides/slide7.xml><?xml version="1.0" encoding="utf-8"?>
 <p:sld xmlns:a="http://schemas.openxmlformats.org/drawingml/2006/main" xmlns:r="http://schemas.openxmlformats.org/officeDocument/2006/relationships" xmlns:mc="http://schemas.openxmlformats.org/markup-compatibility/2006" xmlns:mv="urn:schemas-microsoft-com:mac:vml" xmlns:p="http://schemas.openxmlformats.org/presentationml/2006/main" xmlns:c="http://schemas.openxmlformats.org/drawingml/2006/chart" xmlns:dgm="http://schemas.openxmlformats.org/drawingml/2006/diagram" xmlns:o="urn:schemas-microsoft-com:office:office" xmlns:v="urn:schemas-microsoft-com:vml" xmlns:pvml="urn:schemas-microsoft-com:office:powerpoint" xmlns:com="http://schemas.openxmlformats.org/drawingml/2006/compatibility" xmlns:p14="http://schemas.microsoft.com/office/powerpoint/2010/main" xmlns:p15="http://schemas.microsoft.com/office/powerpoint/2012/main" xmlns:ahyp="http://schemas.microsoft.com/office/drawing/2018/hyperlinkcolor">
   <p:cSld>
     <p:spTree>
       <p:nvGrpSpPr>
-        <p:cNvPr id="92" name="Shape 92"/>
+        <p:cNvPr id="99" name="Shape 99"/>
         <p:cNvGrpSpPr/>
         <p:nvPr/>
       </p:nvGrpSpPr>
@@ -7566,7 +7911,7 @@
       </p:grpSpPr>
       <p:sp>
         <p:nvSpPr>
-          <p:cNvPr id="93" name="Google Shape;93;p18"/>
+          <p:cNvPr id="100" name="Google Shape;100;p19"/>
           <p:cNvSpPr txBox="1"/>
           <p:nvPr>
             <p:ph type="title"/>
@@ -7610,7 +7955,7 @@
       </p:sp>
       <p:pic>
         <p:nvPicPr>
-          <p:cNvPr id="94" name="Google Shape;94;p18"/>
+          <p:cNvPr id="101" name="Google Shape;101;p19"/>
           <p:cNvPicPr preferRelativeResize="0"/>
           <p:nvPr/>
         </p:nvPicPr>
@@ -7638,7 +7983,7 @@
       </p:pic>
       <p:pic>
         <p:nvPicPr>
-          <p:cNvPr id="95" name="Google Shape;95;p18"/>
+          <p:cNvPr id="102" name="Google Shape;102;p19"/>
           <p:cNvPicPr preferRelativeResize="0"/>
           <p:nvPr/>
         </p:nvPicPr>
@@ -7666,7 +8011,7 @@
       </p:pic>
       <p:sp>
         <p:nvSpPr>
-          <p:cNvPr id="96" name="Google Shape;96;p18"/>
+          <p:cNvPr id="103" name="Google Shape;103;p19"/>
           <p:cNvSpPr txBox="1"/>
           <p:nvPr/>
         </p:nvSpPr>
@@ -7718,7 +8063,7 @@
       </p:sp>
       <p:sp>
         <p:nvSpPr>
-          <p:cNvPr id="97" name="Google Shape;97;p18"/>
+          <p:cNvPr id="104" name="Google Shape;104;p19"/>
           <p:cNvSpPr txBox="1"/>
           <p:nvPr/>
         </p:nvSpPr>
@@ -7819,6 +8164,115 @@
               <a:cs typeface="Playfair Display"/>
               <a:sym typeface="Playfair Display"/>
             </a:endParaRPr>
+          </a:p>
+        </p:txBody>
+      </p:sp>
+    </p:spTree>
+  </p:cSld>
+  <p:clrMapOvr>
+    <a:masterClrMapping/>
+  </p:clrMapOvr>
+</p:sld>
+</file>
+
+<file path=ppt/slides/slide8.xml><?xml version="1.0" encoding="utf-8"?>
+<p:sld xmlns:a="http://schemas.openxmlformats.org/drawingml/2006/main" xmlns:r="http://schemas.openxmlformats.org/officeDocument/2006/relationships" xmlns:mc="http://schemas.openxmlformats.org/markup-compatibility/2006" xmlns:mv="urn:schemas-microsoft-com:mac:vml" xmlns:p="http://schemas.openxmlformats.org/presentationml/2006/main" xmlns:c="http://schemas.openxmlformats.org/drawingml/2006/chart" xmlns:dgm="http://schemas.openxmlformats.org/drawingml/2006/diagram" xmlns:o="urn:schemas-microsoft-com:office:office" xmlns:v="urn:schemas-microsoft-com:vml" xmlns:pvml="urn:schemas-microsoft-com:office:powerpoint" xmlns:com="http://schemas.openxmlformats.org/drawingml/2006/compatibility" xmlns:p14="http://schemas.microsoft.com/office/powerpoint/2010/main" xmlns:p15="http://schemas.microsoft.com/office/powerpoint/2012/main" xmlns:ahyp="http://schemas.microsoft.com/office/drawing/2018/hyperlinkcolor">
+  <p:cSld>
+    <p:spTree>
+      <p:nvGrpSpPr>
+        <p:cNvPr id="108" name="Shape 108"/>
+        <p:cNvGrpSpPr/>
+        <p:nvPr/>
+      </p:nvGrpSpPr>
+      <p:grpSpPr>
+        <a:xfrm>
+          <a:off x="0" y="0"/>
+          <a:ext cx="0" cy="0"/>
+          <a:chOff x="0" y="0"/>
+          <a:chExt cx="0" cy="0"/>
+        </a:xfrm>
+      </p:grpSpPr>
+      <p:sp>
+        <p:nvSpPr>
+          <p:cNvPr id="109" name="Google Shape;109;p20"/>
+          <p:cNvSpPr txBox="1"/>
+          <p:nvPr>
+            <p:ph type="title"/>
+          </p:nvPr>
+        </p:nvSpPr>
+        <p:spPr>
+          <a:xfrm>
+            <a:off x="311700" y="445025"/>
+            <a:ext cx="8520600" cy="572700"/>
+          </a:xfrm>
+          <a:prstGeom prst="rect">
+            <a:avLst/>
+          </a:prstGeom>
+        </p:spPr>
+        <p:txBody>
+          <a:bodyPr anchorCtr="0" anchor="t" bIns="91425" lIns="91425" spcFirstLastPara="1" rIns="91425" wrap="square" tIns="91425">
+            <a:normAutofit fontScale="90000"/>
+          </a:bodyPr>
+          <a:lstStyle/>
+          <a:p>
+            <a:pPr indent="0" lvl="0" marL="0" rtl="0" algn="l">
+              <a:spcBef>
+                <a:spcPts val="0"/>
+              </a:spcBef>
+              <a:spcAft>
+                <a:spcPts val="0"/>
+              </a:spcAft>
+              <a:buNone/>
+            </a:pPr>
+            <a:r>
+              <a:rPr lang="en"/>
+              <a:t>Recommendations</a:t>
+            </a:r>
+            <a:endParaRPr/>
+          </a:p>
+        </p:txBody>
+      </p:sp>
+      <p:sp>
+        <p:nvSpPr>
+          <p:cNvPr id="110" name="Google Shape;110;p20"/>
+          <p:cNvSpPr txBox="1"/>
+          <p:nvPr>
+            <p:ph idx="1" type="body"/>
+          </p:nvPr>
+        </p:nvSpPr>
+        <p:spPr>
+          <a:xfrm>
+            <a:off x="311700" y="1234075"/>
+            <a:ext cx="8520600" cy="3334800"/>
+          </a:xfrm>
+          <a:prstGeom prst="rect">
+            <a:avLst/>
+          </a:prstGeom>
+        </p:spPr>
+        <p:txBody>
+          <a:bodyPr anchorCtr="0" anchor="t" bIns="91425" lIns="91425" spcFirstLastPara="1" rIns="91425" wrap="square" tIns="91425">
+            <a:normAutofit/>
+          </a:bodyPr>
+          <a:lstStyle/>
+          <a:p>
+            <a:pPr indent="0" lvl="0" marL="0" rtl="0" algn="l">
+              <a:spcBef>
+                <a:spcPts val="0"/>
+              </a:spcBef>
+              <a:spcAft>
+                <a:spcPts val="1200"/>
+              </a:spcAft>
+              <a:buNone/>
+            </a:pPr>
+            <a:r>
+              <a:rPr lang="en"/>
+              <a:t>Travel agents, city hotels, and resorts will want to </a:t>
+            </a:r>
+            <a:r>
+              <a:rPr lang="en"/>
+              <a:t>take a closer look into why there is an influx of cancellations during the months that are also their peak months for business, this could help with future advertisements and how businesses will approach future promotions. Travel agents will want to take a closer look at the reservations they are creating and why guests are cancelling when they are, this way they can retain their commission. </a:t>
+            </a:r>
+            <a:endParaRPr/>
           </a:p>
         </p:txBody>
       </p:sp>

--- a/Hotel Booking Demand.pptx
+++ b/Hotel Booking Demand.pptx
@@ -16,28 +16,29 @@
     <p:sldId id="261" r:id="rId11"/>
     <p:sldId id="262" r:id="rId12"/>
     <p:sldId id="263" r:id="rId13"/>
+    <p:sldId id="264" r:id="rId14"/>
   </p:sldIdLst>
   <p:sldSz cy="5143500" cx="9144000"/>
   <p:notesSz cx="6858000" cy="9144000"/>
   <p:embeddedFontLst>
     <p:embeddedFont>
       <p:font typeface="Playfair Display"/>
-      <p:regular r:id="rId14"/>
-      <p:bold r:id="rId15"/>
-      <p:italic r:id="rId16"/>
-      <p:boldItalic r:id="rId17"/>
+      <p:regular r:id="rId15"/>
+      <p:bold r:id="rId16"/>
+      <p:italic r:id="rId17"/>
+      <p:boldItalic r:id="rId18"/>
     </p:embeddedFont>
     <p:embeddedFont>
       <p:font typeface="Montserrat"/>
-      <p:regular r:id="rId18"/>
-      <p:bold r:id="rId19"/>
-      <p:italic r:id="rId20"/>
-      <p:boldItalic r:id="rId21"/>
+      <p:regular r:id="rId19"/>
+      <p:bold r:id="rId20"/>
+      <p:italic r:id="rId21"/>
+      <p:boldItalic r:id="rId22"/>
     </p:embeddedFont>
     <p:embeddedFont>
       <p:font typeface="Oswald"/>
-      <p:regular r:id="rId22"/>
-      <p:bold r:id="rId23"/>
+      <p:regular r:id="rId23"/>
+      <p:bold r:id="rId24"/>
     </p:embeddedFont>
   </p:embeddedFontLst>
   <p:defaultTextStyle>
@@ -1462,6 +1463,105 @@
       <p:sp>
         <p:nvSpPr>
           <p:cNvPr id="107" name="Google Shape;107;g13ce9780bc4_0_0:notes"/>
+          <p:cNvSpPr txBox="1"/>
+          <p:nvPr>
+            <p:ph idx="1" type="body"/>
+          </p:nvPr>
+        </p:nvSpPr>
+        <p:spPr>
+          <a:xfrm>
+            <a:off x="685800" y="4343400"/>
+            <a:ext cx="5486400" cy="4114800"/>
+          </a:xfrm>
+          <a:prstGeom prst="rect">
+            <a:avLst/>
+          </a:prstGeom>
+        </p:spPr>
+        <p:txBody>
+          <a:bodyPr anchorCtr="0" anchor="t" bIns="91425" lIns="91425" spcFirstLastPara="1" rIns="91425" wrap="square" tIns="91425">
+            <a:noAutofit/>
+          </a:bodyPr>
+          <a:lstStyle/>
+          <a:p>
+            <a:pPr indent="0" lvl="0" marL="0" rtl="0" algn="l">
+              <a:spcBef>
+                <a:spcPts val="0"/>
+              </a:spcBef>
+              <a:spcAft>
+                <a:spcPts val="0"/>
+              </a:spcAft>
+              <a:buNone/>
+            </a:pPr>
+            <a:r>
+              <a:t/>
+            </a:r>
+            <a:endParaRPr/>
+          </a:p>
+        </p:txBody>
+      </p:sp>
+    </p:spTree>
+  </p:cSld>
+  <p:clrMapOvr>
+    <a:masterClrMapping/>
+  </p:clrMapOvr>
+</p:notes>
+</file>
+
+<file path=ppt/notesSlides/notesSlide9.xml><?xml version="1.0" encoding="utf-8"?>
+<p:notes xmlns:a="http://schemas.openxmlformats.org/drawingml/2006/main" xmlns:r="http://schemas.openxmlformats.org/officeDocument/2006/relationships" xmlns:mc="http://schemas.openxmlformats.org/markup-compatibility/2006" xmlns:mv="urn:schemas-microsoft-com:mac:vml" xmlns:p="http://schemas.openxmlformats.org/presentationml/2006/main" xmlns:c="http://schemas.openxmlformats.org/drawingml/2006/chart" xmlns:dgm="http://schemas.openxmlformats.org/drawingml/2006/diagram" xmlns:o="urn:schemas-microsoft-com:office:office" xmlns:v="urn:schemas-microsoft-com:vml" xmlns:pvml="urn:schemas-microsoft-com:office:powerpoint" xmlns:com="http://schemas.openxmlformats.org/drawingml/2006/compatibility" xmlns:p14="http://schemas.microsoft.com/office/powerpoint/2010/main" xmlns:p15="http://schemas.microsoft.com/office/powerpoint/2012/main" xmlns:ahyp="http://schemas.microsoft.com/office/drawing/2018/hyperlinkcolor" showMasterPhAnim="0" showMasterSp="0">
+  <p:cSld>
+    <p:spTree>
+      <p:nvGrpSpPr>
+        <p:cNvPr id="113" name="Shape 113"/>
+        <p:cNvGrpSpPr/>
+        <p:nvPr/>
+      </p:nvGrpSpPr>
+      <p:grpSpPr>
+        <a:xfrm>
+          <a:off x="0" y="0"/>
+          <a:ext cx="0" cy="0"/>
+          <a:chOff x="0" y="0"/>
+          <a:chExt cx="0" cy="0"/>
+        </a:xfrm>
+      </p:grpSpPr>
+      <p:sp>
+        <p:nvSpPr>
+          <p:cNvPr id="114" name="Google Shape;114;g13ce9780c57_0_6:notes"/>
+          <p:cNvSpPr/>
+          <p:nvPr>
+            <p:ph idx="2" type="sldImg"/>
+          </p:nvPr>
+        </p:nvSpPr>
+        <p:spPr>
+          <a:xfrm>
+            <a:off x="381300" y="685800"/>
+            <a:ext cx="6096000" cy="3429000"/>
+          </a:xfrm>
+          <a:custGeom>
+            <a:rect b="b" l="l" r="r" t="t"/>
+            <a:pathLst>
+              <a:path extrusionOk="0" h="120000" w="120000">
+                <a:moveTo>
+                  <a:pt x="0" y="0"/>
+                </a:moveTo>
+                <a:lnTo>
+                  <a:pt x="120000" y="0"/>
+                </a:lnTo>
+                <a:lnTo>
+                  <a:pt x="120000" y="120000"/>
+                </a:lnTo>
+                <a:lnTo>
+                  <a:pt x="0" y="120000"/>
+                </a:lnTo>
+                <a:close/>
+              </a:path>
+            </a:pathLst>
+          </a:custGeom>
+        </p:spPr>
+      </p:sp>
+      <p:sp>
+        <p:nvSpPr>
+          <p:cNvPr id="115" name="Google Shape;115;g13ce9780c57_0_6:notes"/>
           <p:cNvSpPr txBox="1"/>
           <p:nvPr>
             <p:ph idx="1" type="body"/>
@@ -8202,7 +8302,7 @@
         </p:nvSpPr>
         <p:spPr>
           <a:xfrm>
-            <a:off x="311700" y="445025"/>
+            <a:off x="23100" y="1999050"/>
             <a:ext cx="8520600" cy="572700"/>
           </a:xfrm>
           <a:prstGeom prst="rect">
@@ -8242,8 +8342,243 @@
         </p:nvSpPr>
         <p:spPr>
           <a:xfrm>
+            <a:off x="46200" y="2975250"/>
+            <a:ext cx="8474400" cy="1501200"/>
+          </a:xfrm>
+          <a:prstGeom prst="rect">
+            <a:avLst/>
+          </a:prstGeom>
+        </p:spPr>
+        <p:txBody>
+          <a:bodyPr anchorCtr="0" anchor="t" bIns="91425" lIns="91425" spcFirstLastPara="1" rIns="91425" wrap="square" tIns="91425">
+            <a:normAutofit fontScale="85000"/>
+          </a:bodyPr>
+          <a:lstStyle/>
+          <a:p>
+            <a:pPr indent="0" lvl="0" marL="0" rtl="0" algn="l">
+              <a:spcBef>
+                <a:spcPts val="0"/>
+              </a:spcBef>
+              <a:spcAft>
+                <a:spcPts val="1200"/>
+              </a:spcAft>
+              <a:buNone/>
+            </a:pPr>
+            <a:r>
+              <a:rPr lang="en"/>
+              <a:t>Travel agents, city hotels, and resorts will want to </a:t>
+            </a:r>
+            <a:r>
+              <a:rPr lang="en"/>
+              <a:t>take a closer look into why there is an influx of cancellations during the months that are also their peak months for business, this could help with future advertisements and how businesses will approach future promotions. Travel agents will want to take a closer look at the reservations they are creating and why guests are cancelling when they are, this way they can retain their commission. </a:t>
+            </a:r>
+            <a:endParaRPr/>
+          </a:p>
+        </p:txBody>
+      </p:sp>
+      <p:sp>
+        <p:nvSpPr>
+          <p:cNvPr id="111" name="Google Shape;111;p20"/>
+          <p:cNvSpPr txBox="1"/>
+          <p:nvPr/>
+        </p:nvSpPr>
+        <p:spPr>
+          <a:xfrm>
+            <a:off x="23100" y="572700"/>
+            <a:ext cx="6330900" cy="872700"/>
+          </a:xfrm>
+          <a:prstGeom prst="rect">
+            <a:avLst/>
+          </a:prstGeom>
+          <a:noFill/>
+          <a:ln>
+            <a:noFill/>
+          </a:ln>
+        </p:spPr>
+        <p:txBody>
+          <a:bodyPr anchorCtr="0" anchor="t" bIns="91425" lIns="91425" spcFirstLastPara="1" rIns="91425" wrap="square" tIns="91425">
+            <a:spAutoFit/>
+          </a:bodyPr>
+          <a:lstStyle/>
+          <a:p>
+            <a:pPr indent="0" lvl="0" marL="0" rtl="0" algn="l">
+              <a:lnSpc>
+                <a:spcPct val="115000"/>
+              </a:lnSpc>
+              <a:spcBef>
+                <a:spcPts val="0"/>
+              </a:spcBef>
+              <a:spcAft>
+                <a:spcPts val="0"/>
+              </a:spcAft>
+              <a:buClr>
+                <a:schemeClr val="dk2"/>
+              </a:buClr>
+              <a:buSzPts val="1100"/>
+              <a:buFont typeface="Arial"/>
+              <a:buNone/>
+            </a:pPr>
+            <a:r>
+              <a:rPr lang="en" sz="1800">
+                <a:solidFill>
+                  <a:schemeClr val="dk2"/>
+                </a:solidFill>
+                <a:latin typeface="Playfair Display"/>
+                <a:ea typeface="Playfair Display"/>
+                <a:cs typeface="Playfair Display"/>
+                <a:sym typeface="Playfair Display"/>
+              </a:rPr>
+              <a:t>Our best model is retaining an 83% accuracy rating. </a:t>
+            </a:r>
+            <a:endParaRPr sz="1800">
+              <a:solidFill>
+                <a:schemeClr val="dk2"/>
+              </a:solidFill>
+              <a:latin typeface="Playfair Display"/>
+              <a:ea typeface="Playfair Display"/>
+              <a:cs typeface="Playfair Display"/>
+              <a:sym typeface="Playfair Display"/>
+            </a:endParaRPr>
+          </a:p>
+          <a:p>
+            <a:pPr indent="0" lvl="0" marL="0" rtl="0" algn="l">
+              <a:spcBef>
+                <a:spcPts val="1200"/>
+              </a:spcBef>
+              <a:spcAft>
+                <a:spcPts val="0"/>
+              </a:spcAft>
+              <a:buNone/>
+            </a:pPr>
+            <a:r>
+              <a:t/>
+            </a:r>
+            <a:endParaRPr b="1">
+              <a:latin typeface="Playfair Display"/>
+              <a:ea typeface="Playfair Display"/>
+              <a:cs typeface="Playfair Display"/>
+              <a:sym typeface="Playfair Display"/>
+            </a:endParaRPr>
+          </a:p>
+        </p:txBody>
+      </p:sp>
+      <p:sp>
+        <p:nvSpPr>
+          <p:cNvPr id="112" name="Google Shape;112;p20"/>
+          <p:cNvSpPr txBox="1"/>
+          <p:nvPr>
+            <p:ph type="title"/>
+          </p:nvPr>
+        </p:nvSpPr>
+        <p:spPr>
+          <a:xfrm>
+            <a:off x="0" y="0"/>
+            <a:ext cx="8520600" cy="572700"/>
+          </a:xfrm>
+          <a:prstGeom prst="rect">
+            <a:avLst/>
+          </a:prstGeom>
+        </p:spPr>
+        <p:txBody>
+          <a:bodyPr anchorCtr="0" anchor="t" bIns="91425" lIns="91425" spcFirstLastPara="1" rIns="91425" wrap="square" tIns="91425">
+            <a:normAutofit fontScale="90000"/>
+          </a:bodyPr>
+          <a:lstStyle/>
+          <a:p>
+            <a:pPr indent="0" lvl="0" marL="0" rtl="0" algn="l">
+              <a:spcBef>
+                <a:spcPts val="0"/>
+              </a:spcBef>
+              <a:spcAft>
+                <a:spcPts val="0"/>
+              </a:spcAft>
+              <a:buNone/>
+            </a:pPr>
+            <a:r>
+              <a:rPr lang="en"/>
+              <a:t>Which Model Should Be Used?</a:t>
+            </a:r>
+            <a:endParaRPr/>
+          </a:p>
+        </p:txBody>
+      </p:sp>
+    </p:spTree>
+  </p:cSld>
+  <p:clrMapOvr>
+    <a:masterClrMapping/>
+  </p:clrMapOvr>
+</p:sld>
+</file>
+
+<file path=ppt/slides/slide9.xml><?xml version="1.0" encoding="utf-8"?>
+<p:sld xmlns:a="http://schemas.openxmlformats.org/drawingml/2006/main" xmlns:r="http://schemas.openxmlformats.org/officeDocument/2006/relationships" xmlns:mc="http://schemas.openxmlformats.org/markup-compatibility/2006" xmlns:mv="urn:schemas-microsoft-com:mac:vml" xmlns:p="http://schemas.openxmlformats.org/presentationml/2006/main" xmlns:c="http://schemas.openxmlformats.org/drawingml/2006/chart" xmlns:dgm="http://schemas.openxmlformats.org/drawingml/2006/diagram" xmlns:o="urn:schemas-microsoft-com:office:office" xmlns:v="urn:schemas-microsoft-com:vml" xmlns:pvml="urn:schemas-microsoft-com:office:powerpoint" xmlns:com="http://schemas.openxmlformats.org/drawingml/2006/compatibility" xmlns:p14="http://schemas.microsoft.com/office/powerpoint/2010/main" xmlns:p15="http://schemas.microsoft.com/office/powerpoint/2012/main" xmlns:ahyp="http://schemas.microsoft.com/office/drawing/2018/hyperlinkcolor">
+  <p:cSld>
+    <p:spTree>
+      <p:nvGrpSpPr>
+        <p:cNvPr id="116" name="Shape 116"/>
+        <p:cNvGrpSpPr/>
+        <p:nvPr/>
+      </p:nvGrpSpPr>
+      <p:grpSpPr>
+        <a:xfrm>
+          <a:off x="0" y="0"/>
+          <a:ext cx="0" cy="0"/>
+          <a:chOff x="0" y="0"/>
+          <a:chExt cx="0" cy="0"/>
+        </a:xfrm>
+      </p:grpSpPr>
+      <p:sp>
+        <p:nvSpPr>
+          <p:cNvPr id="117" name="Google Shape;117;p21"/>
+          <p:cNvSpPr txBox="1"/>
+          <p:nvPr>
+            <p:ph type="title"/>
+          </p:nvPr>
+        </p:nvSpPr>
+        <p:spPr>
+          <a:xfrm>
+            <a:off x="311700" y="445025"/>
+            <a:ext cx="8520600" cy="572700"/>
+          </a:xfrm>
+          <a:prstGeom prst="rect">
+            <a:avLst/>
+          </a:prstGeom>
+        </p:spPr>
+        <p:txBody>
+          <a:bodyPr anchorCtr="0" anchor="t" bIns="91425" lIns="91425" spcFirstLastPara="1" rIns="91425" wrap="square" tIns="91425">
+            <a:normAutofit fontScale="90000"/>
+          </a:bodyPr>
+          <a:lstStyle/>
+          <a:p>
+            <a:pPr indent="0" lvl="0" marL="0" rtl="0" algn="l">
+              <a:spcBef>
+                <a:spcPts val="0"/>
+              </a:spcBef>
+              <a:spcAft>
+                <a:spcPts val="0"/>
+              </a:spcAft>
+              <a:buNone/>
+            </a:pPr>
+            <a:r>
+              <a:rPr lang="en"/>
+              <a:t>How to Contact Me:</a:t>
+            </a:r>
+            <a:endParaRPr/>
+          </a:p>
+        </p:txBody>
+      </p:sp>
+      <p:sp>
+        <p:nvSpPr>
+          <p:cNvPr id="118" name="Google Shape;118;p21"/>
+          <p:cNvSpPr txBox="1"/>
+          <p:nvPr>
+            <p:ph idx="1" type="body"/>
+          </p:nvPr>
+        </p:nvSpPr>
+        <p:spPr>
+          <a:xfrm>
             <a:off x="311700" y="1234075"/>
-            <a:ext cx="8520600" cy="3334800"/>
+            <a:ext cx="1596300" cy="1154100"/>
           </a:xfrm>
           <a:prstGeom prst="rect">
             <a:avLst/>
@@ -8255,22 +8590,68 @@
           </a:bodyPr>
           <a:lstStyle/>
           <a:p>
-            <a:pPr indent="0" lvl="0" marL="0" rtl="0" algn="l">
-              <a:spcBef>
-                <a:spcPts val="0"/>
-              </a:spcBef>
-              <a:spcAft>
-                <a:spcPts val="1200"/>
-              </a:spcAft>
-              <a:buNone/>
+            <a:pPr indent="-342900" lvl="0" marL="457200" rtl="0" algn="l">
+              <a:spcBef>
+                <a:spcPts val="0"/>
+              </a:spcBef>
+              <a:spcAft>
+                <a:spcPts val="0"/>
+              </a:spcAft>
+              <a:buSzPts val="1800"/>
+              <a:buChar char="●"/>
             </a:pPr>
             <a:r>
-              <a:rPr lang="en"/>
-              <a:t>Travel agents, city hotels, and resorts will want to </a:t>
+              <a:rPr lang="en" u="sng">
+                <a:solidFill>
+                  <a:schemeClr val="hlink"/>
+                </a:solidFill>
+                <a:hlinkClick r:id="rId3"/>
+              </a:rPr>
+              <a:t>LinkedIn</a:t>
             </a:r>
+            <a:endParaRPr/>
+          </a:p>
+          <a:p>
+            <a:pPr indent="-342900" lvl="0" marL="457200" rtl="0" algn="l">
+              <a:spcBef>
+                <a:spcPts val="0"/>
+              </a:spcBef>
+              <a:spcAft>
+                <a:spcPts val="0"/>
+              </a:spcAft>
+              <a:buSzPts val="1800"/>
+              <a:buChar char="●"/>
+            </a:pPr>
             <a:r>
-              <a:rPr lang="en"/>
-              <a:t>take a closer look into why there is an influx of cancellations during the months that are also their peak months for business, this could help with future advertisements and how businesses will approach future promotions. Travel agents will want to take a closer look at the reservations they are creating and why guests are cancelling when they are, this way they can retain their commission. </a:t>
+              <a:rPr lang="en" u="sng">
+                <a:solidFill>
+                  <a:schemeClr val="hlink"/>
+                </a:solidFill>
+                <a:hlinkClick r:id="rId4"/>
+              </a:rPr>
+              <a:t>GitHub</a:t>
+            </a:r>
+            <a:endParaRPr/>
+          </a:p>
+          <a:p>
+            <a:pPr indent="-342900" lvl="0" marL="457200" rtl="0" algn="l">
+              <a:spcBef>
+                <a:spcPts val="0"/>
+              </a:spcBef>
+              <a:spcAft>
+                <a:spcPts val="0"/>
+              </a:spcAft>
+              <a:buSzPts val="1800"/>
+              <a:buChar char="●"/>
+            </a:pPr>
+            <a:r>
+              <a:rPr lang="en" u="sng">
+                <a:solidFill>
+                  <a:schemeClr val="hlink"/>
+                </a:solidFill>
+                <a:hlinkClick r:id="rId5"/>
+              </a:rPr>
+              <a:t>Email</a:t>
             </a:r>
             <a:endParaRPr/>
           </a:p>
@@ -8285,6 +8666,285 @@
 </file>
 
 <file path=ppt/theme/theme1.xml><?xml version="1.0" encoding="utf-8"?>
+<a:theme xmlns:a="http://schemas.openxmlformats.org/drawingml/2006/main" xmlns:r="http://schemas.openxmlformats.org/officeDocument/2006/relationships" name="Pop">
+  <a:themeElements>
+    <a:clrScheme name="Pop">
+      <a:dk1>
+        <a:srgbClr val="F8E71C"/>
+      </a:dk1>
+      <a:lt1>
+        <a:srgbClr val="FFFFFF"/>
+      </a:lt1>
+      <a:dk2>
+        <a:srgbClr val="000000"/>
+      </a:dk2>
+      <a:lt2>
+        <a:srgbClr val="D9D9D9"/>
+      </a:lt2>
+      <a:accent1>
+        <a:srgbClr val="666666"/>
+      </a:accent1>
+      <a:accent2>
+        <a:srgbClr val="483165"/>
+      </a:accent2>
+      <a:accent3>
+        <a:srgbClr val="EB1E95"/>
+      </a:accent3>
+      <a:accent4>
+        <a:srgbClr val="01AFD1"/>
+      </a:accent4>
+      <a:accent5>
+        <a:srgbClr val="0F9D58"/>
+      </a:accent5>
+      <a:accent6>
+        <a:srgbClr val="9C27B0"/>
+      </a:accent6>
+      <a:hlink>
+        <a:srgbClr val="0F9D58"/>
+      </a:hlink>
+      <a:folHlink>
+        <a:srgbClr val="0F9D58"/>
+      </a:folHlink>
+    </a:clrScheme>
+    <a:fontScheme name="Office">
+      <a:majorFont>
+        <a:latin typeface="Arial"/>
+        <a:ea typeface=""/>
+        <a:cs typeface=""/>
+        <a:font script="Jpan" typeface="ＭＳ Ｐゴシック"/>
+        <a:font script="Hang" typeface="맑은 고딕"/>
+        <a:font script="Hans" typeface="宋体"/>
+        <a:font script="Hant" typeface="新細明體"/>
+        <a:font script="Arab" typeface="Times New Roman"/>
+        <a:font script="Hebr" typeface="Times New Roman"/>
+        <a:font script="Thai" typeface="Angsana New"/>
+        <a:font script="Ethi" typeface="Nyala"/>
+        <a:font script="Beng" typeface="Vrinda"/>
+        <a:font script="Gujr" typeface="Shruti"/>
+        <a:font script="Khmr" typeface="MoolBoran"/>
+        <a:font script="Knda" typeface="Tunga"/>
+        <a:font script="Guru" typeface="Raavi"/>
+        <a:font script="Cans" typeface="Euphemia"/>
+        <a:font script="Cher" typeface="Plantagenet Cherokee"/>
+        <a:font script="Yiii" typeface="Microsoft Yi Baiti"/>
+        <a:font script="Tibt" typeface="Microsoft Himalaya"/>
+        <a:font script="Thaa" typeface="MV Boli"/>
+        <a:font script="Deva" typeface="Mangal"/>
+        <a:font script="Telu" typeface="Gautami"/>
+        <a:font script="Taml" typeface="Latha"/>
+        <a:font script="Syrc" typeface="Estrangelo Edessa"/>
+        <a:font script="Orya" typeface="Kalinga"/>
+        <a:font script="Mlym" typeface="Kartika"/>
+        <a:font script="Laoo" typeface="DokChampa"/>
+        <a:font script="Sinh" typeface="Iskoola Pota"/>
+        <a:font script="Mong" typeface="Mongolian Baiti"/>
+        <a:font script="Viet" typeface="Times New Roman"/>
+        <a:font script="Uigh" typeface="Microsoft Uighur"/>
+        <a:font script="Geor" typeface="Sylfaen"/>
+      </a:majorFont>
+      <a:minorFont>
+        <a:latin typeface="Arial"/>
+        <a:ea typeface=""/>
+        <a:cs typeface=""/>
+        <a:font script="Jpan" typeface="ＭＳ Ｐゴシック"/>
+        <a:font script="Hang" typeface="맑은 고딕"/>
+        <a:font script="Hans" typeface="宋体"/>
+        <a:font script="Hant" typeface="新細明體"/>
+        <a:font script="Arab" typeface="Arial"/>
+        <a:font script="Hebr" typeface="Arial"/>
+        <a:font script="Thai" typeface="Cordia New"/>
+        <a:font script="Ethi" typeface="Nyala"/>
+        <a:font script="Beng" typeface="Vrinda"/>
+        <a:font script="Gujr" typeface="Shruti"/>
+        <a:font script="Khmr" typeface="DaunPenh"/>
+        <a:font script="Knda" typeface="Tunga"/>
+        <a:font script="Guru" typeface="Raavi"/>
+        <a:font script="Cans" typeface="Euphemia"/>
+        <a:font script="Cher" typeface="Plantagenet Cherokee"/>
+        <a:font script="Yiii" typeface="Microsoft Yi Baiti"/>
+        <a:font script="Tibt" typeface="Microsoft Himalaya"/>
+        <a:font script="Thaa" typeface="MV Boli"/>
+        <a:font script="Deva" typeface="Mangal"/>
+        <a:font script="Telu" typeface="Gautami"/>
+        <a:font script="Taml" typeface="Latha"/>
+        <a:font script="Syrc" typeface="Estrangelo Edessa"/>
+        <a:font script="Orya" typeface="Kalinga"/>
+        <a:font script="Mlym" typeface="Kartika"/>
+        <a:font script="Laoo" typeface="DokChampa"/>
+        <a:font script="Sinh" typeface="Iskoola Pota"/>
+        <a:font script="Mong" typeface="Mongolian Baiti"/>
+        <a:font script="Viet" typeface="Arial"/>
+        <a:font script="Uigh" typeface="Microsoft Uighur"/>
+        <a:font script="Geor" typeface="Sylfaen"/>
+      </a:minorFont>
+    </a:fontScheme>
+    <a:fmtScheme name="Office">
+      <a:fillStyleLst>
+        <a:solidFill>
+          <a:schemeClr val="phClr"/>
+        </a:solidFill>
+        <a:gradFill rotWithShape="1">
+          <a:gsLst>
+            <a:gs pos="0">
+              <a:schemeClr val="phClr">
+                <a:tint val="50000"/>
+                <a:satMod val="300000"/>
+              </a:schemeClr>
+            </a:gs>
+            <a:gs pos="35000">
+              <a:schemeClr val="phClr">
+                <a:tint val="37000"/>
+                <a:satMod val="300000"/>
+              </a:schemeClr>
+            </a:gs>
+            <a:gs pos="100000">
+              <a:schemeClr val="phClr">
+                <a:tint val="15000"/>
+                <a:satMod val="350000"/>
+              </a:schemeClr>
+            </a:gs>
+          </a:gsLst>
+          <a:lin ang="16200000" scaled="1"/>
+        </a:gradFill>
+        <a:gradFill rotWithShape="1">
+          <a:gsLst>
+            <a:gs pos="0">
+              <a:schemeClr val="phClr">
+                <a:tint val="100000"/>
+                <a:shade val="100000"/>
+                <a:satMod val="130000"/>
+              </a:schemeClr>
+            </a:gs>
+            <a:gs pos="100000">
+              <a:schemeClr val="phClr">
+                <a:tint val="50000"/>
+                <a:shade val="100000"/>
+                <a:satMod val="350000"/>
+              </a:schemeClr>
+            </a:gs>
+          </a:gsLst>
+          <a:lin ang="16200000" scaled="0"/>
+        </a:gradFill>
+      </a:fillStyleLst>
+      <a:lnStyleLst>
+        <a:ln w="9525" cap="flat" cmpd="sng" algn="ctr">
+          <a:solidFill>
+            <a:schemeClr val="phClr">
+              <a:shade val="95000"/>
+              <a:satMod val="105000"/>
+            </a:schemeClr>
+          </a:solidFill>
+          <a:prstDash val="solid"/>
+        </a:ln>
+        <a:ln w="25400" cap="flat" cmpd="sng" algn="ctr">
+          <a:solidFill>
+            <a:schemeClr val="phClr"/>
+          </a:solidFill>
+          <a:prstDash val="solid"/>
+        </a:ln>
+        <a:ln w="38100" cap="flat" cmpd="sng" algn="ctr">
+          <a:solidFill>
+            <a:schemeClr val="phClr"/>
+          </a:solidFill>
+          <a:prstDash val="solid"/>
+        </a:ln>
+      </a:lnStyleLst>
+      <a:effectStyleLst>
+        <a:effectStyle>
+          <a:effectLst>
+            <a:outerShdw blurRad="40000" dist="20000" dir="5400000" rotWithShape="0">
+              <a:srgbClr val="000000">
+                <a:alpha val="38000"/>
+              </a:srgbClr>
+            </a:outerShdw>
+          </a:effectLst>
+        </a:effectStyle>
+        <a:effectStyle>
+          <a:effectLst>
+            <a:outerShdw blurRad="40000" dist="23000" dir="5400000" rotWithShape="0">
+              <a:srgbClr val="000000">
+                <a:alpha val="35000"/>
+              </a:srgbClr>
+            </a:outerShdw>
+          </a:effectLst>
+        </a:effectStyle>
+        <a:effectStyle>
+          <a:effectLst>
+            <a:outerShdw blurRad="40000" dist="23000" dir="5400000" rotWithShape="0">
+              <a:srgbClr val="000000">
+                <a:alpha val="35000"/>
+              </a:srgbClr>
+            </a:outerShdw>
+          </a:effectLst>
+          <a:scene3d>
+            <a:camera prst="orthographicFront">
+              <a:rot lat="0" lon="0" rev="0"/>
+            </a:camera>
+            <a:lightRig rig="threePt" dir="t">
+              <a:rot lat="0" lon="0" rev="1200000"/>
+            </a:lightRig>
+          </a:scene3d>
+          <a:sp3d>
+            <a:bevelT w="63500" h="25400"/>
+          </a:sp3d>
+        </a:effectStyle>
+      </a:effectStyleLst>
+      <a:bgFillStyleLst>
+        <a:solidFill>
+          <a:schemeClr val="phClr"/>
+        </a:solidFill>
+        <a:gradFill rotWithShape="1">
+          <a:gsLst>
+            <a:gs pos="0">
+              <a:schemeClr val="phClr">
+                <a:tint val="40000"/>
+                <a:satMod val="350000"/>
+              </a:schemeClr>
+            </a:gs>
+            <a:gs pos="40000">
+              <a:schemeClr val="phClr">
+                <a:tint val="45000"/>
+                <a:shade val="99000"/>
+                <a:satMod val="350000"/>
+              </a:schemeClr>
+            </a:gs>
+            <a:gs pos="100000">
+              <a:schemeClr val="phClr">
+                <a:shade val="20000"/>
+                <a:satMod val="255000"/>
+              </a:schemeClr>
+            </a:gs>
+          </a:gsLst>
+          <a:path path="circle">
+            <a:fillToRect l="50000" t="-80000" r="50000" b="180000"/>
+          </a:path>
+        </a:gradFill>
+        <a:gradFill rotWithShape="1">
+          <a:gsLst>
+            <a:gs pos="0">
+              <a:schemeClr val="phClr">
+                <a:tint val="80000"/>
+                <a:satMod val="300000"/>
+              </a:schemeClr>
+            </a:gs>
+            <a:gs pos="100000">
+              <a:schemeClr val="phClr">
+                <a:shade val="30000"/>
+                <a:satMod val="200000"/>
+              </a:schemeClr>
+            </a:gs>
+          </a:gsLst>
+          <a:path path="circle">
+            <a:fillToRect l="50000" t="50000" r="50000" b="50000"/>
+          </a:path>
+        </a:gradFill>
+      </a:bgFillStyleLst>
+    </a:fmtScheme>
+  </a:themeElements>
+</a:theme>
+</file>
+
+<file path=ppt/theme/theme2.xml><?xml version="1.0" encoding="utf-8"?>
 <a:theme xmlns:a="http://schemas.openxmlformats.org/drawingml/2006/main" xmlns:r="http://schemas.openxmlformats.org/officeDocument/2006/relationships">
   <a:themeElements>
     <a:clrScheme name="Default">
@@ -8561,283 +9221,4 @@
     </a:fmtScheme>
   </a:themeElements>
 </a:theme>
-</file>
-
-<file path=ppt/theme/theme2.xml><?xml version="1.0" encoding="utf-8"?>
-<a:theme xmlns:a="http://schemas.openxmlformats.org/drawingml/2006/main" xmlns:r="http://schemas.openxmlformats.org/officeDocument/2006/relationships" name="Pop">
-  <a:themeElements>
-    <a:clrScheme name="Pop">
-      <a:dk1>
-        <a:srgbClr val="F8E71C"/>
-      </a:dk1>
-      <a:lt1>
-        <a:srgbClr val="FFFFFF"/>
-      </a:lt1>
-      <a:dk2>
-        <a:srgbClr val="000000"/>
-      </a:dk2>
-      <a:lt2>
-        <a:srgbClr val="D9D9D9"/>
-      </a:lt2>
-      <a:accent1>
-        <a:srgbClr val="666666"/>
-      </a:accent1>
-      <a:accent2>
-        <a:srgbClr val="483165"/>
-      </a:accent2>
-      <a:accent3>
-        <a:srgbClr val="EB1E95"/>
-      </a:accent3>
-      <a:accent4>
-        <a:srgbClr val="01AFD1"/>
-      </a:accent4>
-      <a:accent5>
-        <a:srgbClr val="0F9D58"/>
-      </a:accent5>
-      <a:accent6>
-        <a:srgbClr val="9C27B0"/>
-      </a:accent6>
-      <a:hlink>
-        <a:srgbClr val="0F9D58"/>
-      </a:hlink>
-      <a:folHlink>
-        <a:srgbClr val="0F9D58"/>
-      </a:folHlink>
-    </a:clrScheme>
-    <a:fontScheme name="Office">
-      <a:majorFont>
-        <a:latin typeface="Arial"/>
-        <a:ea typeface=""/>
-        <a:cs typeface=""/>
-        <a:font script="Jpan" typeface="ＭＳ Ｐゴシック"/>
-        <a:font script="Hang" typeface="맑은 고딕"/>
-        <a:font script="Hans" typeface="宋体"/>
-        <a:font script="Hant" typeface="新細明體"/>
-        <a:font script="Arab" typeface="Times New Roman"/>
-        <a:font script="Hebr" typeface="Times New Roman"/>
-        <a:font script="Thai" typeface="Angsana New"/>
-        <a:font script="Ethi" typeface="Nyala"/>
-        <a:font script="Beng" typeface="Vrinda"/>
-        <a:font script="Gujr" typeface="Shruti"/>
-        <a:font script="Khmr" typeface="MoolBoran"/>
-        <a:font script="Knda" typeface="Tunga"/>
-        <a:font script="Guru" typeface="Raavi"/>
-        <a:font script="Cans" typeface="Euphemia"/>
-        <a:font script="Cher" typeface="Plantagenet Cherokee"/>
-        <a:font script="Yiii" typeface="Microsoft Yi Baiti"/>
-        <a:font script="Tibt" typeface="Microsoft Himalaya"/>
-        <a:font script="Thaa" typeface="MV Boli"/>
-        <a:font script="Deva" typeface="Mangal"/>
-        <a:font script="Telu" typeface="Gautami"/>
-        <a:font script="Taml" typeface="Latha"/>
-        <a:font script="Syrc" typeface="Estrangelo Edessa"/>
-        <a:font script="Orya" typeface="Kalinga"/>
-        <a:font script="Mlym" typeface="Kartika"/>
-        <a:font script="Laoo" typeface="DokChampa"/>
-        <a:font script="Sinh" typeface="Iskoola Pota"/>
-        <a:font script="Mong" typeface="Mongolian Baiti"/>
-        <a:font script="Viet" typeface="Times New Roman"/>
-        <a:font script="Uigh" typeface="Microsoft Uighur"/>
-        <a:font script="Geor" typeface="Sylfaen"/>
-      </a:majorFont>
-      <a:minorFont>
-        <a:latin typeface="Arial"/>
-        <a:ea typeface=""/>
-        <a:cs typeface=""/>
-        <a:font script="Jpan" typeface="ＭＳ Ｐゴシック"/>
-        <a:font script="Hang" typeface="맑은 고딕"/>
-        <a:font script="Hans" typeface="宋体"/>
-        <a:font script="Hant" typeface="新細明體"/>
-        <a:font script="Arab" typeface="Arial"/>
-        <a:font script="Hebr" typeface="Arial"/>
-        <a:font script="Thai" typeface="Cordia New"/>
-        <a:font script="Ethi" typeface="Nyala"/>
-        <a:font script="Beng" typeface="Vrinda"/>
-        <a:font script="Gujr" typeface="Shruti"/>
-        <a:font script="Khmr" typeface="DaunPenh"/>
-        <a:font script="Knda" typeface="Tunga"/>
-        <a:font script="Guru" typeface="Raavi"/>
-        <a:font script="Cans" typeface="Euphemia"/>
-        <a:font script="Cher" typeface="Plantagenet Cherokee"/>
-        <a:font script="Yiii" typeface="Microsoft Yi Baiti"/>
-        <a:font script="Tibt" typeface="Microsoft Himalaya"/>
-        <a:font script="Thaa" typeface="MV Boli"/>
-        <a:font script="Deva" typeface="Mangal"/>
-        <a:font script="Telu" typeface="Gautami"/>
-        <a:font script="Taml" typeface="Latha"/>
-        <a:font script="Syrc" typeface="Estrangelo Edessa"/>
-        <a:font script="Orya" typeface="Kalinga"/>
-        <a:font script="Mlym" typeface="Kartika"/>
-        <a:font script="Laoo" typeface="DokChampa"/>
-        <a:font script="Sinh" typeface="Iskoola Pota"/>
-        <a:font script="Mong" typeface="Mongolian Baiti"/>
-        <a:font script="Viet" typeface="Arial"/>
-        <a:font script="Uigh" typeface="Microsoft Uighur"/>
-        <a:font script="Geor" typeface="Sylfaen"/>
-      </a:minorFont>
-    </a:fontScheme>
-    <a:fmtScheme name="Office">
-      <a:fillStyleLst>
-        <a:solidFill>
-          <a:schemeClr val="phClr"/>
-        </a:solidFill>
-        <a:gradFill rotWithShape="1">
-          <a:gsLst>
-            <a:gs pos="0">
-              <a:schemeClr val="phClr">
-                <a:tint val="50000"/>
-                <a:satMod val="300000"/>
-              </a:schemeClr>
-            </a:gs>
-            <a:gs pos="35000">
-              <a:schemeClr val="phClr">
-                <a:tint val="37000"/>
-                <a:satMod val="300000"/>
-              </a:schemeClr>
-            </a:gs>
-            <a:gs pos="100000">
-              <a:schemeClr val="phClr">
-                <a:tint val="15000"/>
-                <a:satMod val="350000"/>
-              </a:schemeClr>
-            </a:gs>
-          </a:gsLst>
-          <a:lin ang="16200000" scaled="1"/>
-        </a:gradFill>
-        <a:gradFill rotWithShape="1">
-          <a:gsLst>
-            <a:gs pos="0">
-              <a:schemeClr val="phClr">
-                <a:tint val="100000"/>
-                <a:shade val="100000"/>
-                <a:satMod val="130000"/>
-              </a:schemeClr>
-            </a:gs>
-            <a:gs pos="100000">
-              <a:schemeClr val="phClr">
-                <a:tint val="50000"/>
-                <a:shade val="100000"/>
-                <a:satMod val="350000"/>
-              </a:schemeClr>
-            </a:gs>
-          </a:gsLst>
-          <a:lin ang="16200000" scaled="0"/>
-        </a:gradFill>
-      </a:fillStyleLst>
-      <a:lnStyleLst>
-        <a:ln w="9525" cap="flat" cmpd="sng" algn="ctr">
-          <a:solidFill>
-            <a:schemeClr val="phClr">
-              <a:shade val="95000"/>
-              <a:satMod val="105000"/>
-            </a:schemeClr>
-          </a:solidFill>
-          <a:prstDash val="solid"/>
-        </a:ln>
-        <a:ln w="25400" cap="flat" cmpd="sng" algn="ctr">
-          <a:solidFill>
-            <a:schemeClr val="phClr"/>
-          </a:solidFill>
-          <a:prstDash val="solid"/>
-        </a:ln>
-        <a:ln w="38100" cap="flat" cmpd="sng" algn="ctr">
-          <a:solidFill>
-            <a:schemeClr val="phClr"/>
-          </a:solidFill>
-          <a:prstDash val="solid"/>
-        </a:ln>
-      </a:lnStyleLst>
-      <a:effectStyleLst>
-        <a:effectStyle>
-          <a:effectLst>
-            <a:outerShdw blurRad="40000" dist="20000" dir="5400000" rotWithShape="0">
-              <a:srgbClr val="000000">
-                <a:alpha val="38000"/>
-              </a:srgbClr>
-            </a:outerShdw>
-          </a:effectLst>
-        </a:effectStyle>
-        <a:effectStyle>
-          <a:effectLst>
-            <a:outerShdw blurRad="40000" dist="23000" dir="5400000" rotWithShape="0">
-              <a:srgbClr val="000000">
-                <a:alpha val="35000"/>
-              </a:srgbClr>
-            </a:outerShdw>
-          </a:effectLst>
-        </a:effectStyle>
-        <a:effectStyle>
-          <a:effectLst>
-            <a:outerShdw blurRad="40000" dist="23000" dir="5400000" rotWithShape="0">
-              <a:srgbClr val="000000">
-                <a:alpha val="35000"/>
-              </a:srgbClr>
-            </a:outerShdw>
-          </a:effectLst>
-          <a:scene3d>
-            <a:camera prst="orthographicFront">
-              <a:rot lat="0" lon="0" rev="0"/>
-            </a:camera>
-            <a:lightRig rig="threePt" dir="t">
-              <a:rot lat="0" lon="0" rev="1200000"/>
-            </a:lightRig>
-          </a:scene3d>
-          <a:sp3d>
-            <a:bevelT w="63500" h="25400"/>
-          </a:sp3d>
-        </a:effectStyle>
-      </a:effectStyleLst>
-      <a:bgFillStyleLst>
-        <a:solidFill>
-          <a:schemeClr val="phClr"/>
-        </a:solidFill>
-        <a:gradFill rotWithShape="1">
-          <a:gsLst>
-            <a:gs pos="0">
-              <a:schemeClr val="phClr">
-                <a:tint val="40000"/>
-                <a:satMod val="350000"/>
-              </a:schemeClr>
-            </a:gs>
-            <a:gs pos="40000">
-              <a:schemeClr val="phClr">
-                <a:tint val="45000"/>
-                <a:shade val="99000"/>
-                <a:satMod val="350000"/>
-              </a:schemeClr>
-            </a:gs>
-            <a:gs pos="100000">
-              <a:schemeClr val="phClr">
-                <a:shade val="20000"/>
-                <a:satMod val="255000"/>
-              </a:schemeClr>
-            </a:gs>
-          </a:gsLst>
-          <a:path path="circle">
-            <a:fillToRect l="50000" t="-80000" r="50000" b="180000"/>
-          </a:path>
-        </a:gradFill>
-        <a:gradFill rotWithShape="1">
-          <a:gsLst>
-            <a:gs pos="0">
-              <a:schemeClr val="phClr">
-                <a:tint val="80000"/>
-                <a:satMod val="300000"/>
-              </a:schemeClr>
-            </a:gs>
-            <a:gs pos="100000">
-              <a:schemeClr val="phClr">
-                <a:shade val="30000"/>
-                <a:satMod val="200000"/>
-              </a:schemeClr>
-            </a:gs>
-          </a:gsLst>
-          <a:path path="circle">
-            <a:fillToRect l="50000" t="50000" r="50000" b="50000"/>
-          </a:path>
-        </a:gradFill>
-      </a:bgFillStyleLst>
-    </a:fmtScheme>
-  </a:themeElements>
-</a:theme>
 </file>